--- a/EQ1의 아트 더미.pptx
+++ b/EQ1의 아트 더미.pptx
@@ -7,6 +7,8 @@
   <p:sldIdLst>
     <p:sldId id="256" r:id="rId2"/>
     <p:sldId id="257" r:id="rId3"/>
+    <p:sldId id="258" r:id="rId4"/>
+    <p:sldId id="259" r:id="rId5"/>
   </p:sldIdLst>
   <p:sldSz cx="12192000" cy="6858000"/>
   <p:notesSz cx="6858000" cy="9144000"/>
@@ -244,7 +246,7 @@
           <a:p>
             <a:fld id="{FBF65DD4-0BE1-4799-ADE5-681F61801F7C}" type="datetimeFigureOut">
               <a:rPr lang="ko-KR" altLang="en-US" smtClean="0"/>
-              <a:t>2017-03-23</a:t>
+              <a:t>2017-03-28</a:t>
             </a:fld>
             <a:endParaRPr lang="ko-KR" altLang="en-US"/>
           </a:p>
@@ -414,7 +416,7 @@
           <a:p>
             <a:fld id="{FBF65DD4-0BE1-4799-ADE5-681F61801F7C}" type="datetimeFigureOut">
               <a:rPr lang="ko-KR" altLang="en-US" smtClean="0"/>
-              <a:t>2017-03-23</a:t>
+              <a:t>2017-03-28</a:t>
             </a:fld>
             <a:endParaRPr lang="ko-KR" altLang="en-US"/>
           </a:p>
@@ -594,7 +596,7 @@
           <a:p>
             <a:fld id="{FBF65DD4-0BE1-4799-ADE5-681F61801F7C}" type="datetimeFigureOut">
               <a:rPr lang="ko-KR" altLang="en-US" smtClean="0"/>
-              <a:t>2017-03-23</a:t>
+              <a:t>2017-03-28</a:t>
             </a:fld>
             <a:endParaRPr lang="ko-KR" altLang="en-US"/>
           </a:p>
@@ -764,7 +766,7 @@
           <a:p>
             <a:fld id="{FBF65DD4-0BE1-4799-ADE5-681F61801F7C}" type="datetimeFigureOut">
               <a:rPr lang="ko-KR" altLang="en-US" smtClean="0"/>
-              <a:t>2017-03-23</a:t>
+              <a:t>2017-03-28</a:t>
             </a:fld>
             <a:endParaRPr lang="ko-KR" altLang="en-US"/>
           </a:p>
@@ -1010,7 +1012,7 @@
           <a:p>
             <a:fld id="{FBF65DD4-0BE1-4799-ADE5-681F61801F7C}" type="datetimeFigureOut">
               <a:rPr lang="ko-KR" altLang="en-US" smtClean="0"/>
-              <a:t>2017-03-23</a:t>
+              <a:t>2017-03-28</a:t>
             </a:fld>
             <a:endParaRPr lang="ko-KR" altLang="en-US"/>
           </a:p>
@@ -1242,7 +1244,7 @@
           <a:p>
             <a:fld id="{FBF65DD4-0BE1-4799-ADE5-681F61801F7C}" type="datetimeFigureOut">
               <a:rPr lang="ko-KR" altLang="en-US" smtClean="0"/>
-              <a:t>2017-03-23</a:t>
+              <a:t>2017-03-28</a:t>
             </a:fld>
             <a:endParaRPr lang="ko-KR" altLang="en-US"/>
           </a:p>
@@ -1609,7 +1611,7 @@
           <a:p>
             <a:fld id="{FBF65DD4-0BE1-4799-ADE5-681F61801F7C}" type="datetimeFigureOut">
               <a:rPr lang="ko-KR" altLang="en-US" smtClean="0"/>
-              <a:t>2017-03-23</a:t>
+              <a:t>2017-03-28</a:t>
             </a:fld>
             <a:endParaRPr lang="ko-KR" altLang="en-US"/>
           </a:p>
@@ -1727,7 +1729,7 @@
           <a:p>
             <a:fld id="{FBF65DD4-0BE1-4799-ADE5-681F61801F7C}" type="datetimeFigureOut">
               <a:rPr lang="ko-KR" altLang="en-US" smtClean="0"/>
-              <a:t>2017-03-23</a:t>
+              <a:t>2017-03-28</a:t>
             </a:fld>
             <a:endParaRPr lang="ko-KR" altLang="en-US"/>
           </a:p>
@@ -1822,7 +1824,7 @@
           <a:p>
             <a:fld id="{FBF65DD4-0BE1-4799-ADE5-681F61801F7C}" type="datetimeFigureOut">
               <a:rPr lang="ko-KR" altLang="en-US" smtClean="0"/>
-              <a:t>2017-03-23</a:t>
+              <a:t>2017-03-28</a:t>
             </a:fld>
             <a:endParaRPr lang="ko-KR" altLang="en-US"/>
           </a:p>
@@ -2099,7 +2101,7 @@
           <a:p>
             <a:fld id="{FBF65DD4-0BE1-4799-ADE5-681F61801F7C}" type="datetimeFigureOut">
               <a:rPr lang="ko-KR" altLang="en-US" smtClean="0"/>
-              <a:t>2017-03-23</a:t>
+              <a:t>2017-03-28</a:t>
             </a:fld>
             <a:endParaRPr lang="ko-KR" altLang="en-US"/>
           </a:p>
@@ -2352,7 +2354,7 @@
           <a:p>
             <a:fld id="{FBF65DD4-0BE1-4799-ADE5-681F61801F7C}" type="datetimeFigureOut">
               <a:rPr lang="ko-KR" altLang="en-US" smtClean="0"/>
-              <a:t>2017-03-23</a:t>
+              <a:t>2017-03-28</a:t>
             </a:fld>
             <a:endParaRPr lang="ko-KR" altLang="en-US"/>
           </a:p>
@@ -2565,7 +2567,7 @@
           <a:p>
             <a:fld id="{FBF65DD4-0BE1-4799-ADE5-681F61801F7C}" type="datetimeFigureOut">
               <a:rPr lang="ko-KR" altLang="en-US" smtClean="0"/>
-              <a:t>2017-03-23</a:t>
+              <a:t>2017-03-28</a:t>
             </a:fld>
             <a:endParaRPr lang="ko-KR" altLang="en-US"/>
           </a:p>
@@ -6671,6 +6673,96 @@
 </p:sld>
 </file>
 
+<file path=ppt/slides/slide3.xml><?xml version="1.0" encoding="utf-8"?>
+<p:sld xmlns:a="http://schemas.openxmlformats.org/drawingml/2006/main" xmlns:r="http://schemas.openxmlformats.org/officeDocument/2006/relationships" xmlns:p="http://schemas.openxmlformats.org/presentationml/2006/main">
+  <p:cSld>
+    <p:spTree>
+      <p:nvGrpSpPr>
+        <p:cNvPr id="1" name=""/>
+        <p:cNvGrpSpPr/>
+        <p:nvPr/>
+      </p:nvGrpSpPr>
+      <p:grpSpPr>
+        <a:xfrm>
+          <a:off x="0" y="0"/>
+          <a:ext cx="0" cy="0"/>
+          <a:chOff x="0" y="0"/>
+          <a:chExt cx="0" cy="0"/>
+        </a:xfrm>
+      </p:grpSpPr>
+      <p:pic>
+        <p:nvPicPr>
+          <p:cNvPr id="4" name="그림 3"/>
+          <p:cNvPicPr>
+            <a:picLocks noChangeAspect="1"/>
+          </p:cNvPicPr>
+          <p:nvPr/>
+        </p:nvPicPr>
+        <p:blipFill>
+          <a:blip r:embed="rId2">
+            <a:extLst>
+              <a:ext uri="{28A0092B-C50C-407E-A947-70E740481C1C}">
+                <a14:useLocalDpi xmlns:a14="http://schemas.microsoft.com/office/drawing/2010/main" val="0"/>
+              </a:ext>
+            </a:extLst>
+          </a:blip>
+          <a:stretch>
+            <a:fillRect/>
+          </a:stretch>
+        </p:blipFill>
+        <p:spPr>
+          <a:xfrm>
+            <a:off x="0" y="0"/>
+            <a:ext cx="12192000" cy="6876122"/>
+          </a:xfrm>
+          <a:prstGeom prst="rect">
+            <a:avLst/>
+          </a:prstGeom>
+        </p:spPr>
+      </p:pic>
+    </p:spTree>
+    <p:extLst>
+      <p:ext uri="{BB962C8B-B14F-4D97-AF65-F5344CB8AC3E}">
+        <p14:creationId xmlns:p14="http://schemas.microsoft.com/office/powerpoint/2010/main" val="1994363047"/>
+      </p:ext>
+    </p:extLst>
+  </p:cSld>
+  <p:clrMapOvr>
+    <a:masterClrMapping/>
+  </p:clrMapOvr>
+</p:sld>
+</file>
+
+<file path=ppt/slides/slide4.xml><?xml version="1.0" encoding="utf-8"?>
+<p:sld xmlns:a="http://schemas.openxmlformats.org/drawingml/2006/main" xmlns:r="http://schemas.openxmlformats.org/officeDocument/2006/relationships" xmlns:p="http://schemas.openxmlformats.org/presentationml/2006/main">
+  <p:cSld>
+    <p:spTree>
+      <p:nvGrpSpPr>
+        <p:cNvPr id="1" name=""/>
+        <p:cNvGrpSpPr/>
+        <p:nvPr/>
+      </p:nvGrpSpPr>
+      <p:grpSpPr>
+        <a:xfrm>
+          <a:off x="0" y="0"/>
+          <a:ext cx="0" cy="0"/>
+          <a:chOff x="0" y="0"/>
+          <a:chExt cx="0" cy="0"/>
+        </a:xfrm>
+      </p:grpSpPr>
+    </p:spTree>
+    <p:extLst>
+      <p:ext uri="{BB962C8B-B14F-4D97-AF65-F5344CB8AC3E}">
+        <p14:creationId xmlns:p14="http://schemas.microsoft.com/office/powerpoint/2010/main" val="229205927"/>
+      </p:ext>
+    </p:extLst>
+  </p:cSld>
+  <p:clrMapOvr>
+    <a:masterClrMapping/>
+  </p:clrMapOvr>
+</p:sld>
+</file>
+
 <file path=ppt/theme/theme1.xml><?xml version="1.0" encoding="utf-8"?>
 <a:theme xmlns:a="http://schemas.openxmlformats.org/drawingml/2006/main" name="Office 테마">
   <a:themeElements>

--- a/EQ1의 아트 더미.pptx
+++ b/EQ1의 아트 더미.pptx
@@ -8,7 +8,7 @@
     <p:sldId id="256" r:id="rId2"/>
     <p:sldId id="257" r:id="rId3"/>
     <p:sldId id="258" r:id="rId4"/>
-    <p:sldId id="259" r:id="rId5"/>
+    <p:sldId id="260" r:id="rId5"/>
   </p:sldIdLst>
   <p:sldSz cx="12192000" cy="6858000"/>
   <p:notesSz cx="6858000" cy="9144000"/>
@@ -246,7 +246,7 @@
           <a:p>
             <a:fld id="{FBF65DD4-0BE1-4799-ADE5-681F61801F7C}" type="datetimeFigureOut">
               <a:rPr lang="ko-KR" altLang="en-US" smtClean="0"/>
-              <a:t>2017-03-28</a:t>
+              <a:t>2017-03-30</a:t>
             </a:fld>
             <a:endParaRPr lang="ko-KR" altLang="en-US"/>
           </a:p>
@@ -416,7 +416,7 @@
           <a:p>
             <a:fld id="{FBF65DD4-0BE1-4799-ADE5-681F61801F7C}" type="datetimeFigureOut">
               <a:rPr lang="ko-KR" altLang="en-US" smtClean="0"/>
-              <a:t>2017-03-28</a:t>
+              <a:t>2017-03-30</a:t>
             </a:fld>
             <a:endParaRPr lang="ko-KR" altLang="en-US"/>
           </a:p>
@@ -596,7 +596,7 @@
           <a:p>
             <a:fld id="{FBF65DD4-0BE1-4799-ADE5-681F61801F7C}" type="datetimeFigureOut">
               <a:rPr lang="ko-KR" altLang="en-US" smtClean="0"/>
-              <a:t>2017-03-28</a:t>
+              <a:t>2017-03-30</a:t>
             </a:fld>
             <a:endParaRPr lang="ko-KR" altLang="en-US"/>
           </a:p>
@@ -766,7 +766,7 @@
           <a:p>
             <a:fld id="{FBF65DD4-0BE1-4799-ADE5-681F61801F7C}" type="datetimeFigureOut">
               <a:rPr lang="ko-KR" altLang="en-US" smtClean="0"/>
-              <a:t>2017-03-28</a:t>
+              <a:t>2017-03-30</a:t>
             </a:fld>
             <a:endParaRPr lang="ko-KR" altLang="en-US"/>
           </a:p>
@@ -1012,7 +1012,7 @@
           <a:p>
             <a:fld id="{FBF65DD4-0BE1-4799-ADE5-681F61801F7C}" type="datetimeFigureOut">
               <a:rPr lang="ko-KR" altLang="en-US" smtClean="0"/>
-              <a:t>2017-03-28</a:t>
+              <a:t>2017-03-30</a:t>
             </a:fld>
             <a:endParaRPr lang="ko-KR" altLang="en-US"/>
           </a:p>
@@ -1244,7 +1244,7 @@
           <a:p>
             <a:fld id="{FBF65DD4-0BE1-4799-ADE5-681F61801F7C}" type="datetimeFigureOut">
               <a:rPr lang="ko-KR" altLang="en-US" smtClean="0"/>
-              <a:t>2017-03-28</a:t>
+              <a:t>2017-03-30</a:t>
             </a:fld>
             <a:endParaRPr lang="ko-KR" altLang="en-US"/>
           </a:p>
@@ -1611,7 +1611,7 @@
           <a:p>
             <a:fld id="{FBF65DD4-0BE1-4799-ADE5-681F61801F7C}" type="datetimeFigureOut">
               <a:rPr lang="ko-KR" altLang="en-US" smtClean="0"/>
-              <a:t>2017-03-28</a:t>
+              <a:t>2017-03-30</a:t>
             </a:fld>
             <a:endParaRPr lang="ko-KR" altLang="en-US"/>
           </a:p>
@@ -1729,7 +1729,7 @@
           <a:p>
             <a:fld id="{FBF65DD4-0BE1-4799-ADE5-681F61801F7C}" type="datetimeFigureOut">
               <a:rPr lang="ko-KR" altLang="en-US" smtClean="0"/>
-              <a:t>2017-03-28</a:t>
+              <a:t>2017-03-30</a:t>
             </a:fld>
             <a:endParaRPr lang="ko-KR" altLang="en-US"/>
           </a:p>
@@ -1824,7 +1824,7 @@
           <a:p>
             <a:fld id="{FBF65DD4-0BE1-4799-ADE5-681F61801F7C}" type="datetimeFigureOut">
               <a:rPr lang="ko-KR" altLang="en-US" smtClean="0"/>
-              <a:t>2017-03-28</a:t>
+              <a:t>2017-03-30</a:t>
             </a:fld>
             <a:endParaRPr lang="ko-KR" altLang="en-US"/>
           </a:p>
@@ -2101,7 +2101,7 @@
           <a:p>
             <a:fld id="{FBF65DD4-0BE1-4799-ADE5-681F61801F7C}" type="datetimeFigureOut">
               <a:rPr lang="ko-KR" altLang="en-US" smtClean="0"/>
-              <a:t>2017-03-28</a:t>
+              <a:t>2017-03-30</a:t>
             </a:fld>
             <a:endParaRPr lang="ko-KR" altLang="en-US"/>
           </a:p>
@@ -2354,7 +2354,7 @@
           <a:p>
             <a:fld id="{FBF65DD4-0BE1-4799-ADE5-681F61801F7C}" type="datetimeFigureOut">
               <a:rPr lang="ko-KR" altLang="en-US" smtClean="0"/>
-              <a:t>2017-03-28</a:t>
+              <a:t>2017-03-30</a:t>
             </a:fld>
             <a:endParaRPr lang="ko-KR" altLang="en-US"/>
           </a:p>
@@ -2567,7 +2567,7 @@
           <a:p>
             <a:fld id="{FBF65DD4-0BE1-4799-ADE5-681F61801F7C}" type="datetimeFigureOut">
               <a:rPr lang="ko-KR" altLang="en-US" smtClean="0"/>
-              <a:t>2017-03-28</a:t>
+              <a:t>2017-03-30</a:t>
             </a:fld>
             <a:endParaRPr lang="ko-KR" altLang="en-US"/>
           </a:p>
@@ -6750,10 +6750,205 @@
           <a:chExt cx="0" cy="0"/>
         </a:xfrm>
       </p:grpSpPr>
+      <p:pic>
+        <p:nvPicPr>
+          <p:cNvPr id="3" name="그림 2"/>
+          <p:cNvPicPr>
+            <a:picLocks noChangeAspect="1"/>
+          </p:cNvPicPr>
+          <p:nvPr/>
+        </p:nvPicPr>
+        <p:blipFill>
+          <a:blip r:embed="rId2">
+            <a:extLst>
+              <a:ext uri="{28A0092B-C50C-407E-A947-70E740481C1C}">
+                <a14:useLocalDpi xmlns:a14="http://schemas.microsoft.com/office/drawing/2010/main" val="0"/>
+              </a:ext>
+            </a:extLst>
+          </a:blip>
+          <a:stretch>
+            <a:fillRect/>
+          </a:stretch>
+        </p:blipFill>
+        <p:spPr>
+          <a:xfrm>
+            <a:off x="0" y="-1078"/>
+            <a:ext cx="12190086" cy="6859078"/>
+          </a:xfrm>
+          <a:prstGeom prst="rect">
+            <a:avLst/>
+          </a:prstGeom>
+        </p:spPr>
+      </p:pic>
+      <p:sp>
+        <p:nvSpPr>
+          <p:cNvPr id="5" name="모서리가 둥근 직사각형 4"/>
+          <p:cNvSpPr/>
+          <p:nvPr/>
+        </p:nvSpPr>
+        <p:spPr>
+          <a:xfrm>
+            <a:off x="2391734" y="2233209"/>
+            <a:ext cx="4770000" cy="2390503"/>
+          </a:xfrm>
+          <a:prstGeom prst="roundRect">
+            <a:avLst>
+              <a:gd name="adj" fmla="val 13769"/>
+            </a:avLst>
+          </a:prstGeom>
+          <a:solidFill>
+            <a:schemeClr val="bg1"/>
+          </a:solidFill>
+          <a:ln w="76200">
+            <a:solidFill>
+              <a:srgbClr val="F09252"/>
+            </a:solidFill>
+          </a:ln>
+        </p:spPr>
+        <p:style>
+          <a:lnRef idx="2">
+            <a:schemeClr val="accent1">
+              <a:shade val="50000"/>
+            </a:schemeClr>
+          </a:lnRef>
+          <a:fillRef idx="1">
+            <a:schemeClr val="accent1"/>
+          </a:fillRef>
+          <a:effectRef idx="0">
+            <a:schemeClr val="accent1"/>
+          </a:effectRef>
+          <a:fontRef idx="minor">
+            <a:schemeClr val="lt1"/>
+          </a:fontRef>
+        </p:style>
+        <p:txBody>
+          <a:bodyPr rtlCol="0" anchor="ctr"/>
+          <a:lstStyle/>
+          <a:p>
+            <a:pPr algn="ctr"/>
+            <a:r>
+              <a:rPr lang="en-US" altLang="ko-KR" sz="6000" dirty="0" smtClean="0">
+                <a:solidFill>
+                  <a:schemeClr val="tx1"/>
+                </a:solidFill>
+                <a:latin typeface="Algerian" panose="04020705040A02060702" pitchFamily="82" charset="0"/>
+              </a:rPr>
+              <a:t>Animation</a:t>
+            </a:r>
+            <a:endParaRPr lang="ko-KR" altLang="en-US" sz="6000" dirty="0">
+              <a:solidFill>
+                <a:schemeClr val="tx1"/>
+              </a:solidFill>
+              <a:latin typeface="Algerian" panose="04020705040A02060702" pitchFamily="82" charset="0"/>
+            </a:endParaRPr>
+          </a:p>
+        </p:txBody>
+      </p:sp>
+      <p:sp>
+        <p:nvSpPr>
+          <p:cNvPr id="6" name="직사각형 5"/>
+          <p:cNvSpPr/>
+          <p:nvPr/>
+        </p:nvSpPr>
+        <p:spPr>
+          <a:xfrm>
+            <a:off x="2391734" y="4979861"/>
+            <a:ext cx="4770000" cy="1282393"/>
+          </a:xfrm>
+          <a:prstGeom prst="rect">
+            <a:avLst/>
+          </a:prstGeom>
+          <a:solidFill>
+            <a:schemeClr val="accent2">
+              <a:lumMod val="75000"/>
+              <a:alpha val="70000"/>
+            </a:schemeClr>
+          </a:solidFill>
+          <a:ln w="76200">
+            <a:solidFill>
+              <a:srgbClr val="F09252"/>
+            </a:solidFill>
+          </a:ln>
+        </p:spPr>
+        <p:style>
+          <a:lnRef idx="2">
+            <a:schemeClr val="accent1">
+              <a:shade val="50000"/>
+            </a:schemeClr>
+          </a:lnRef>
+          <a:fillRef idx="1">
+            <a:schemeClr val="accent1"/>
+          </a:fillRef>
+          <a:effectRef idx="0">
+            <a:schemeClr val="accent1"/>
+          </a:effectRef>
+          <a:fontRef idx="minor">
+            <a:schemeClr val="lt1"/>
+          </a:fontRef>
+        </p:style>
+        <p:txBody>
+          <a:bodyPr rtlCol="0" anchor="ctr"/>
+          <a:lstStyle/>
+          <a:p>
+            <a:pPr algn="ctr"/>
+            <a:endParaRPr lang="ko-KR" altLang="en-US"/>
+          </a:p>
+        </p:txBody>
+      </p:sp>
+      <p:sp>
+        <p:nvSpPr>
+          <p:cNvPr id="7" name="직사각형 6"/>
+          <p:cNvSpPr/>
+          <p:nvPr/>
+        </p:nvSpPr>
+        <p:spPr>
+          <a:xfrm>
+            <a:off x="7869382" y="2531366"/>
+            <a:ext cx="3643459" cy="2345433"/>
+          </a:xfrm>
+          <a:prstGeom prst="rect">
+            <a:avLst/>
+          </a:prstGeom>
+          <a:solidFill>
+            <a:srgbClr val="C55A11">
+              <a:alpha val="70000"/>
+            </a:srgbClr>
+          </a:solidFill>
+          <a:ln w="76200">
+            <a:solidFill>
+              <a:srgbClr val="F09252"/>
+            </a:solidFill>
+          </a:ln>
+        </p:spPr>
+        <p:style>
+          <a:lnRef idx="2">
+            <a:schemeClr val="accent1">
+              <a:shade val="50000"/>
+            </a:schemeClr>
+          </a:lnRef>
+          <a:fillRef idx="1">
+            <a:schemeClr val="accent1"/>
+          </a:fillRef>
+          <a:effectRef idx="0">
+            <a:schemeClr val="accent1"/>
+          </a:effectRef>
+          <a:fontRef idx="minor">
+            <a:schemeClr val="lt1"/>
+          </a:fontRef>
+        </p:style>
+        <p:txBody>
+          <a:bodyPr rtlCol="0" anchor="ctr"/>
+          <a:lstStyle/>
+          <a:p>
+            <a:pPr algn="ctr"/>
+            <a:endParaRPr lang="ko-KR" altLang="en-US"/>
+          </a:p>
+        </p:txBody>
+      </p:sp>
     </p:spTree>
     <p:extLst>
       <p:ext uri="{BB962C8B-B14F-4D97-AF65-F5344CB8AC3E}">
-        <p14:creationId xmlns:p14="http://schemas.microsoft.com/office/powerpoint/2010/main" val="229205927"/>
+        <p14:creationId xmlns:p14="http://schemas.microsoft.com/office/powerpoint/2010/main" val="503424035"/>
       </p:ext>
     </p:extLst>
   </p:cSld>

--- a/EQ1의 아트 더미.pptx
+++ b/EQ1의 아트 더미.pptx
@@ -9,6 +9,7 @@
     <p:sldId id="257" r:id="rId3"/>
     <p:sldId id="258" r:id="rId4"/>
     <p:sldId id="260" r:id="rId5"/>
+    <p:sldId id="261" r:id="rId6"/>
   </p:sldIdLst>
   <p:sldSz cx="12192000" cy="6858000"/>
   <p:notesSz cx="6858000" cy="9144000"/>
@@ -246,7 +247,7 @@
           <a:p>
             <a:fld id="{FBF65DD4-0BE1-4799-ADE5-681F61801F7C}" type="datetimeFigureOut">
               <a:rPr lang="ko-KR" altLang="en-US" smtClean="0"/>
-              <a:t>2017-03-30</a:t>
+              <a:t>2017-04-12</a:t>
             </a:fld>
             <a:endParaRPr lang="ko-KR" altLang="en-US"/>
           </a:p>
@@ -416,7 +417,7 @@
           <a:p>
             <a:fld id="{FBF65DD4-0BE1-4799-ADE5-681F61801F7C}" type="datetimeFigureOut">
               <a:rPr lang="ko-KR" altLang="en-US" smtClean="0"/>
-              <a:t>2017-03-30</a:t>
+              <a:t>2017-04-12</a:t>
             </a:fld>
             <a:endParaRPr lang="ko-KR" altLang="en-US"/>
           </a:p>
@@ -596,7 +597,7 @@
           <a:p>
             <a:fld id="{FBF65DD4-0BE1-4799-ADE5-681F61801F7C}" type="datetimeFigureOut">
               <a:rPr lang="ko-KR" altLang="en-US" smtClean="0"/>
-              <a:t>2017-03-30</a:t>
+              <a:t>2017-04-12</a:t>
             </a:fld>
             <a:endParaRPr lang="ko-KR" altLang="en-US"/>
           </a:p>
@@ -766,7 +767,7 @@
           <a:p>
             <a:fld id="{FBF65DD4-0BE1-4799-ADE5-681F61801F7C}" type="datetimeFigureOut">
               <a:rPr lang="ko-KR" altLang="en-US" smtClean="0"/>
-              <a:t>2017-03-30</a:t>
+              <a:t>2017-04-12</a:t>
             </a:fld>
             <a:endParaRPr lang="ko-KR" altLang="en-US"/>
           </a:p>
@@ -1012,7 +1013,7 @@
           <a:p>
             <a:fld id="{FBF65DD4-0BE1-4799-ADE5-681F61801F7C}" type="datetimeFigureOut">
               <a:rPr lang="ko-KR" altLang="en-US" smtClean="0"/>
-              <a:t>2017-03-30</a:t>
+              <a:t>2017-04-12</a:t>
             </a:fld>
             <a:endParaRPr lang="ko-KR" altLang="en-US"/>
           </a:p>
@@ -1244,7 +1245,7 @@
           <a:p>
             <a:fld id="{FBF65DD4-0BE1-4799-ADE5-681F61801F7C}" type="datetimeFigureOut">
               <a:rPr lang="ko-KR" altLang="en-US" smtClean="0"/>
-              <a:t>2017-03-30</a:t>
+              <a:t>2017-04-12</a:t>
             </a:fld>
             <a:endParaRPr lang="ko-KR" altLang="en-US"/>
           </a:p>
@@ -1611,7 +1612,7 @@
           <a:p>
             <a:fld id="{FBF65DD4-0BE1-4799-ADE5-681F61801F7C}" type="datetimeFigureOut">
               <a:rPr lang="ko-KR" altLang="en-US" smtClean="0"/>
-              <a:t>2017-03-30</a:t>
+              <a:t>2017-04-12</a:t>
             </a:fld>
             <a:endParaRPr lang="ko-KR" altLang="en-US"/>
           </a:p>
@@ -1729,7 +1730,7 @@
           <a:p>
             <a:fld id="{FBF65DD4-0BE1-4799-ADE5-681F61801F7C}" type="datetimeFigureOut">
               <a:rPr lang="ko-KR" altLang="en-US" smtClean="0"/>
-              <a:t>2017-03-30</a:t>
+              <a:t>2017-04-12</a:t>
             </a:fld>
             <a:endParaRPr lang="ko-KR" altLang="en-US"/>
           </a:p>
@@ -1824,7 +1825,7 @@
           <a:p>
             <a:fld id="{FBF65DD4-0BE1-4799-ADE5-681F61801F7C}" type="datetimeFigureOut">
               <a:rPr lang="ko-KR" altLang="en-US" smtClean="0"/>
-              <a:t>2017-03-30</a:t>
+              <a:t>2017-04-12</a:t>
             </a:fld>
             <a:endParaRPr lang="ko-KR" altLang="en-US"/>
           </a:p>
@@ -2101,7 +2102,7 @@
           <a:p>
             <a:fld id="{FBF65DD4-0BE1-4799-ADE5-681F61801F7C}" type="datetimeFigureOut">
               <a:rPr lang="ko-KR" altLang="en-US" smtClean="0"/>
-              <a:t>2017-03-30</a:t>
+              <a:t>2017-04-12</a:t>
             </a:fld>
             <a:endParaRPr lang="ko-KR" altLang="en-US"/>
           </a:p>
@@ -2354,7 +2355,7 @@
           <a:p>
             <a:fld id="{FBF65DD4-0BE1-4799-ADE5-681F61801F7C}" type="datetimeFigureOut">
               <a:rPr lang="ko-KR" altLang="en-US" smtClean="0"/>
-              <a:t>2017-03-30</a:t>
+              <a:t>2017-04-12</a:t>
             </a:fld>
             <a:endParaRPr lang="ko-KR" altLang="en-US"/>
           </a:p>
@@ -2567,7 +2568,7 @@
           <a:p>
             <a:fld id="{FBF65DD4-0BE1-4799-ADE5-681F61801F7C}" type="datetimeFigureOut">
               <a:rPr lang="ko-KR" altLang="en-US" smtClean="0"/>
-              <a:t>2017-03-30</a:t>
+              <a:t>2017-04-12</a:t>
             </a:fld>
             <a:endParaRPr lang="ko-KR" altLang="en-US"/>
           </a:p>
@@ -6958,6 +6959,74 @@
 </p:sld>
 </file>
 
+<file path=ppt/slides/slide5.xml><?xml version="1.0" encoding="utf-8"?>
+<p:sld xmlns:a="http://schemas.openxmlformats.org/drawingml/2006/main" xmlns:r="http://schemas.openxmlformats.org/officeDocument/2006/relationships" xmlns:p="http://schemas.openxmlformats.org/presentationml/2006/main">
+  <p:cSld>
+    <p:spTree>
+      <p:nvGrpSpPr>
+        <p:cNvPr id="1" name=""/>
+        <p:cNvGrpSpPr/>
+        <p:nvPr/>
+      </p:nvGrpSpPr>
+      <p:grpSpPr>
+        <a:xfrm>
+          <a:off x="0" y="0"/>
+          <a:ext cx="0" cy="0"/>
+          <a:chOff x="0" y="0"/>
+          <a:chExt cx="0" cy="0"/>
+        </a:xfrm>
+      </p:grpSpPr>
+      <p:sp>
+        <p:nvSpPr>
+          <p:cNvPr id="2" name="제목 1"/>
+          <p:cNvSpPr>
+            <a:spLocks noGrp="1"/>
+          </p:cNvSpPr>
+          <p:nvPr>
+            <p:ph type="title"/>
+          </p:nvPr>
+        </p:nvSpPr>
+        <p:spPr/>
+        <p:txBody>
+          <a:bodyPr/>
+          <a:lstStyle/>
+          <a:p>
+            <a:endParaRPr lang="ko-KR" altLang="en-US"/>
+          </a:p>
+        </p:txBody>
+      </p:sp>
+      <p:sp>
+        <p:nvSpPr>
+          <p:cNvPr id="3" name="내용 개체 틀 2"/>
+          <p:cNvSpPr>
+            <a:spLocks noGrp="1"/>
+          </p:cNvSpPr>
+          <p:nvPr>
+            <p:ph idx="1"/>
+          </p:nvPr>
+        </p:nvSpPr>
+        <p:spPr/>
+        <p:txBody>
+          <a:bodyPr/>
+          <a:lstStyle/>
+          <a:p>
+            <a:endParaRPr lang="ko-KR" altLang="en-US"/>
+          </a:p>
+        </p:txBody>
+      </p:sp>
+    </p:spTree>
+    <p:extLst>
+      <p:ext uri="{BB962C8B-B14F-4D97-AF65-F5344CB8AC3E}">
+        <p14:creationId xmlns:p14="http://schemas.microsoft.com/office/powerpoint/2010/main" val="2463880976"/>
+      </p:ext>
+    </p:extLst>
+  </p:cSld>
+  <p:clrMapOvr>
+    <a:masterClrMapping/>
+  </p:clrMapOvr>
+</p:sld>
+</file>
+
 <file path=ppt/theme/theme1.xml><?xml version="1.0" encoding="utf-8"?>
 <a:theme xmlns:a="http://schemas.openxmlformats.org/drawingml/2006/main" name="Office 테마">
   <a:themeElements>
